--- a/PPT/藥你知道.pptx
+++ b/PPT/藥你知道.pptx
@@ -202,7 +202,7 @@
           <a:p>
             <a:fld id="{17A60B11-D38A-4B61-823E-8B0874834190}" type="datetimeFigureOut">
               <a:rPr lang="zh-TW" altLang="en-US" smtClean="0"/>
-              <a:t>2019/5/12</a:t>
+              <a:t>2019/5/14</a:t>
             </a:fld>
             <a:endParaRPr lang="zh-TW" altLang="en-US"/>
           </a:p>
@@ -1039,7 +1039,7 @@
           <a:p>
             <a:fld id="{5BBEAD13-0566-4C6C-97E7-55F17F24B09F}" type="datetimeFigureOut">
               <a:rPr lang="zh-TW" altLang="en-US" smtClean="0"/>
-              <a:t>2019/5/12</a:t>
+              <a:t>2019/5/14</a:t>
             </a:fld>
             <a:endParaRPr lang="zh-TW" altLang="en-US"/>
           </a:p>
@@ -1204,7 +1204,7 @@
           <a:p>
             <a:fld id="{5BBEAD13-0566-4C6C-97E7-55F17F24B09F}" type="datetimeFigureOut">
               <a:rPr lang="zh-TW" altLang="en-US" smtClean="0"/>
-              <a:t>2019/5/12</a:t>
+              <a:t>2019/5/14</a:t>
             </a:fld>
             <a:endParaRPr lang="zh-TW" altLang="en-US"/>
           </a:p>
@@ -1379,7 +1379,7 @@
           <a:p>
             <a:fld id="{5BBEAD13-0566-4C6C-97E7-55F17F24B09F}" type="datetimeFigureOut">
               <a:rPr lang="zh-TW" altLang="en-US" smtClean="0"/>
-              <a:t>2019/5/12</a:t>
+              <a:t>2019/5/14</a:t>
             </a:fld>
             <a:endParaRPr lang="zh-TW" altLang="en-US"/>
           </a:p>
@@ -1544,7 +1544,7 @@
           <a:p>
             <a:fld id="{5BBEAD13-0566-4C6C-97E7-55F17F24B09F}" type="datetimeFigureOut">
               <a:rPr lang="zh-TW" altLang="en-US" smtClean="0"/>
-              <a:t>2019/5/12</a:t>
+              <a:t>2019/5/14</a:t>
             </a:fld>
             <a:endParaRPr lang="zh-TW" altLang="en-US"/>
           </a:p>
@@ -1785,7 +1785,7 @@
           <a:p>
             <a:fld id="{5BBEAD13-0566-4C6C-97E7-55F17F24B09F}" type="datetimeFigureOut">
               <a:rPr lang="zh-TW" altLang="en-US" smtClean="0"/>
-              <a:t>2019/5/12</a:t>
+              <a:t>2019/5/14</a:t>
             </a:fld>
             <a:endParaRPr lang="zh-TW" altLang="en-US"/>
           </a:p>
@@ -2068,7 +2068,7 @@
           <a:p>
             <a:fld id="{5BBEAD13-0566-4C6C-97E7-55F17F24B09F}" type="datetimeFigureOut">
               <a:rPr lang="zh-TW" altLang="en-US" smtClean="0"/>
-              <a:t>2019/5/12</a:t>
+              <a:t>2019/5/14</a:t>
             </a:fld>
             <a:endParaRPr lang="zh-TW" altLang="en-US"/>
           </a:p>
@@ -2485,7 +2485,7 @@
           <a:p>
             <a:fld id="{5BBEAD13-0566-4C6C-97E7-55F17F24B09F}" type="datetimeFigureOut">
               <a:rPr lang="zh-TW" altLang="en-US" smtClean="0"/>
-              <a:t>2019/5/12</a:t>
+              <a:t>2019/5/14</a:t>
             </a:fld>
             <a:endParaRPr lang="zh-TW" altLang="en-US"/>
           </a:p>
@@ -2598,7 +2598,7 @@
           <a:p>
             <a:fld id="{5BBEAD13-0566-4C6C-97E7-55F17F24B09F}" type="datetimeFigureOut">
               <a:rPr lang="zh-TW" altLang="en-US" smtClean="0"/>
-              <a:t>2019/5/12</a:t>
+              <a:t>2019/5/14</a:t>
             </a:fld>
             <a:endParaRPr lang="zh-TW" altLang="en-US"/>
           </a:p>
@@ -2688,7 +2688,7 @@
           <a:p>
             <a:fld id="{5BBEAD13-0566-4C6C-97E7-55F17F24B09F}" type="datetimeFigureOut">
               <a:rPr lang="zh-TW" altLang="en-US" smtClean="0"/>
-              <a:t>2019/5/12</a:t>
+              <a:t>2019/5/14</a:t>
             </a:fld>
             <a:endParaRPr lang="zh-TW" altLang="en-US"/>
           </a:p>
@@ -2960,7 +2960,7 @@
           <a:p>
             <a:fld id="{5BBEAD13-0566-4C6C-97E7-55F17F24B09F}" type="datetimeFigureOut">
               <a:rPr lang="zh-TW" altLang="en-US" smtClean="0"/>
-              <a:t>2019/5/12</a:t>
+              <a:t>2019/5/14</a:t>
             </a:fld>
             <a:endParaRPr lang="zh-TW" altLang="en-US"/>
           </a:p>
@@ -3208,7 +3208,7 @@
           <a:p>
             <a:fld id="{5BBEAD13-0566-4C6C-97E7-55F17F24B09F}" type="datetimeFigureOut">
               <a:rPr lang="zh-TW" altLang="en-US" smtClean="0"/>
-              <a:t>2019/5/12</a:t>
+              <a:t>2019/5/14</a:t>
             </a:fld>
             <a:endParaRPr lang="zh-TW" altLang="en-US"/>
           </a:p>
@@ -3416,7 +3416,7 @@
           <a:p>
             <a:fld id="{5BBEAD13-0566-4C6C-97E7-55F17F24B09F}" type="datetimeFigureOut">
               <a:rPr lang="zh-TW" altLang="en-US" smtClean="0"/>
-              <a:t>2019/5/12</a:t>
+              <a:t>2019/5/14</a:t>
             </a:fld>
             <a:endParaRPr lang="zh-TW" altLang="en-US"/>
           </a:p>
@@ -4507,8 +4507,8 @@
         </p:blipFill>
         <p:spPr bwMode="auto">
           <a:xfrm>
-            <a:off x="4211960" y="2233283"/>
-            <a:ext cx="1145727" cy="1145727"/>
+            <a:off x="2484863" y="453471"/>
+            <a:ext cx="1055146" cy="1055146"/>
           </a:xfrm>
           <a:prstGeom prst="rect">
             <a:avLst/>
@@ -4548,7 +4548,7 @@
         </p:blipFill>
         <p:spPr bwMode="auto">
           <a:xfrm>
-            <a:off x="2267744" y="567313"/>
+            <a:off x="4667455" y="1767174"/>
             <a:ext cx="1498178" cy="897346"/>
           </a:xfrm>
           <a:prstGeom prst="rect">
@@ -4574,7 +4574,7 @@
         </p:nvGrpSpPr>
         <p:grpSpPr>
           <a:xfrm>
-            <a:off x="5807528" y="3003798"/>
+            <a:off x="4667455" y="3363838"/>
             <a:ext cx="2597059" cy="1655525"/>
             <a:chOff x="4034903" y="3003798"/>
             <a:chExt cx="2597059" cy="1655525"/>
@@ -4801,7 +4801,7 @@
         </p:nvGrpSpPr>
         <p:grpSpPr>
           <a:xfrm>
-            <a:off x="755576" y="2509646"/>
+            <a:off x="875713" y="2581654"/>
             <a:ext cx="1101131" cy="2006320"/>
             <a:chOff x="1166613" y="2761853"/>
             <a:chExt cx="836101" cy="1672201"/>
@@ -4850,7 +4850,7 @@
         </p:pic>
         <p:pic>
           <p:nvPicPr>
-            <p:cNvPr id="2055" name="Picture 7" descr="C:\Users\Zoey\Desktop\60036004_297404594484399_3530299766820831232_n.jpg"/>
+            <p:cNvPr id="2055" name="Picture 7"/>
             <p:cNvPicPr>
               <a:picLocks noChangeArrowheads="1"/>
             </p:cNvPicPr>
@@ -4864,13 +4864,13 @@
                 </a:ext>
               </a:extLst>
             </a:blip>
-            <a:srcRect t="3793"/>
+            <a:srcRect t="3768"/>
             <a:stretch/>
           </p:blipFill>
           <p:spPr bwMode="auto">
             <a:xfrm>
-              <a:off x="1217150" y="2952000"/>
-              <a:ext cx="738041" cy="1309556"/>
+              <a:off x="1222870" y="2933647"/>
+              <a:ext cx="724383" cy="1315511"/>
             </a:xfrm>
             <a:prstGeom prst="rect">
               <a:avLst/>
@@ -4925,7 +4925,7 @@
         </p:blipFill>
         <p:spPr bwMode="auto">
           <a:xfrm>
-            <a:off x="6593181" y="615001"/>
+            <a:off x="7291366" y="727203"/>
             <a:ext cx="1550615" cy="1550615"/>
           </a:xfrm>
           <a:prstGeom prst="rect">
@@ -4946,15 +4946,13 @@
       <p:cxnSp>
         <p:nvCxnSpPr>
           <p:cNvPr id="12" name="弧形接點 11"/>
-          <p:cNvCxnSpPr>
-            <a:endCxn id="2051" idx="1"/>
-          </p:cNvCxnSpPr>
+          <p:cNvCxnSpPr/>
           <p:nvPr/>
         </p:nvCxnSpPr>
         <p:spPr>
           <a:xfrm rot="5400000" flipH="1" flipV="1">
-            <a:off x="1093819" y="1253809"/>
-            <a:ext cx="1411748" cy="936102"/>
+            <a:off x="1064953" y="1223852"/>
+            <a:ext cx="1518700" cy="1033084"/>
           </a:xfrm>
           <a:prstGeom prst="curvedConnector2">
             <a:avLst/>
@@ -4988,8 +4986,8 @@
           <p:nvPr/>
         </p:nvCxnSpPr>
         <p:spPr>
-          <a:xfrm rot="11640000" flipH="1" flipV="1">
-            <a:off x="3669803" y="1206250"/>
+          <a:xfrm rot="10740000" flipH="1" flipV="1">
+            <a:off x="3626276" y="946817"/>
             <a:ext cx="1319985" cy="875255"/>
           </a:xfrm>
           <a:prstGeom prst="curvedConnector2">
@@ -5024,9 +5022,9 @@
           <p:nvPr/>
         </p:nvCxnSpPr>
         <p:spPr>
-          <a:xfrm rot="14580000" flipV="1">
-            <a:off x="5387254" y="3155256"/>
-            <a:ext cx="1319983" cy="875255"/>
+          <a:xfrm rot="10800000">
+            <a:off x="3179970" y="1552029"/>
+            <a:ext cx="1837071" cy="2978116"/>
           </a:xfrm>
           <a:prstGeom prst="curvedConnector2">
             <a:avLst/>
@@ -5060,9 +5058,9 @@
           <p:nvPr/>
         </p:nvCxnSpPr>
         <p:spPr>
-          <a:xfrm rot="22020000" flipV="1">
-            <a:off x="5517152" y="1858386"/>
-            <a:ext cx="1451981" cy="962781"/>
+          <a:xfrm rot="18720000" flipH="1" flipV="1">
+            <a:off x="6368080" y="1864249"/>
+            <a:ext cx="1247417" cy="827138"/>
           </a:xfrm>
           <a:prstGeom prst="curvedConnector2">
             <a:avLst/>
@@ -5096,8 +5094,8 @@
           <p:nvPr/>
         </p:nvCxnSpPr>
         <p:spPr>
-          <a:xfrm rot="11040000" flipV="1">
-            <a:off x="5492815" y="1726380"/>
+          <a:xfrm rot="7500000" flipH="1" flipV="1">
+            <a:off x="6025158" y="1270471"/>
             <a:ext cx="1319983" cy="875255"/>
           </a:xfrm>
           <a:prstGeom prst="curvedConnector2">
@@ -5133,7 +5131,7 @@
         </p:nvCxnSpPr>
         <p:spPr>
           <a:xfrm rot="16200000" flipH="1" flipV="1">
-            <a:off x="1673049" y="1601609"/>
+            <a:off x="1793186" y="1746820"/>
             <a:ext cx="1087396" cy="721033"/>
           </a:xfrm>
           <a:prstGeom prst="curvedConnector2">
@@ -5169,7 +5167,7 @@
         </p:nvCxnSpPr>
         <p:spPr>
           <a:xfrm flipH="1" flipV="1">
-            <a:off x="3242399" y="1484777"/>
+            <a:off x="3532733" y="1556785"/>
             <a:ext cx="1087396" cy="721033"/>
           </a:xfrm>
           <a:prstGeom prst="curvedConnector2">
@@ -5203,13 +5201,20 @@
         </p:nvSpPr>
         <p:spPr>
           <a:xfrm>
-            <a:off x="453984" y="851519"/>
+            <a:off x="539552" y="734203"/>
             <a:ext cx="1704313" cy="830997"/>
           </a:xfrm>
           <a:prstGeom prst="rect">
             <a:avLst/>
           </a:prstGeom>
-          <a:noFill/>
+          <a:solidFill>
+            <a:schemeClr val="bg1">
+              <a:alpha val="70000"/>
+            </a:schemeClr>
+          </a:solidFill>
+          <a:effectLst>
+            <a:softEdge rad="38100"/>
+          </a:effectLst>
         </p:spPr>
         <p:txBody>
           <a:bodyPr wrap="none" rtlCol="0">
@@ -5319,7 +5324,7 @@
         </p:nvSpPr>
         <p:spPr>
           <a:xfrm>
-            <a:off x="1715559" y="2646608"/>
+            <a:off x="1835696" y="2571750"/>
             <a:ext cx="1704313" cy="1077218"/>
           </a:xfrm>
           <a:prstGeom prst="rect">
@@ -5441,13 +5446,20 @@
         </p:nvSpPr>
         <p:spPr>
           <a:xfrm>
-            <a:off x="5726837" y="3291830"/>
-            <a:ext cx="1005403" cy="584775"/>
+            <a:off x="3827639" y="3715101"/>
+            <a:ext cx="1210588" cy="584775"/>
           </a:xfrm>
           <a:prstGeom prst="rect">
             <a:avLst/>
           </a:prstGeom>
-          <a:noFill/>
+          <a:solidFill>
+            <a:schemeClr val="bg1">
+              <a:alpha val="70000"/>
+            </a:schemeClr>
+          </a:solidFill>
+          <a:effectLst>
+            <a:softEdge rad="38100"/>
+          </a:effectLst>
         </p:spPr>
         <p:txBody>
           <a:bodyPr wrap="none" rtlCol="0">
@@ -5466,7 +5478,7 @@
                 <a:latin typeface="華康流隸體" panose="03000709000000000000" pitchFamily="65" charset="-120"/>
                 <a:ea typeface="華康流隸體" panose="03000709000000000000" pitchFamily="65" charset="-120"/>
               </a:rPr>
-              <a:t>發布藥物</a:t>
+              <a:t>發布</a:t>
             </a:r>
             <a:endParaRPr lang="en-US" altLang="zh-TW" sz="1600" dirty="0" smtClean="0">
               <a:solidFill>
@@ -5490,7 +5502,7 @@
                 <a:latin typeface="華康流隸體" panose="03000709000000000000" pitchFamily="65" charset="-120"/>
                 <a:ea typeface="華康流隸體" panose="03000709000000000000" pitchFamily="65" charset="-120"/>
               </a:rPr>
-              <a:t>小知識</a:t>
+              <a:t>藥物小知識</a:t>
             </a:r>
             <a:endParaRPr lang="zh-TW" altLang="en-US" sz="1600" dirty="0">
               <a:solidFill>
@@ -5512,13 +5524,20 @@
         </p:nvSpPr>
         <p:spPr>
           <a:xfrm>
-            <a:off x="3839432" y="407559"/>
+            <a:off x="3636405" y="195486"/>
             <a:ext cx="1415772" cy="1077218"/>
           </a:xfrm>
           <a:prstGeom prst="rect">
             <a:avLst/>
           </a:prstGeom>
-          <a:noFill/>
+          <a:solidFill>
+            <a:schemeClr val="bg1">
+              <a:alpha val="70000"/>
+            </a:schemeClr>
+          </a:solidFill>
+          <a:effectLst>
+            <a:softEdge rad="38100"/>
+          </a:effectLst>
         </p:spPr>
         <p:txBody>
           <a:bodyPr wrap="none" rtlCol="0">
@@ -5634,7 +5653,7 @@
         </p:nvSpPr>
         <p:spPr>
           <a:xfrm>
-            <a:off x="6152806" y="93018"/>
+            <a:off x="6243550" y="-857250"/>
             <a:ext cx="2639555" cy="857250"/>
           </a:xfrm>
         </p:spPr>
@@ -5653,6 +5672,330 @@
               <a:t>架構</a:t>
             </a:r>
             <a:endParaRPr lang="zh-TW" altLang="en-US" dirty="0"/>
+          </a:p>
+        </p:txBody>
+      </p:sp>
+      <p:cxnSp>
+        <p:nvCxnSpPr>
+          <p:cNvPr id="29" name="弧形接點 28"/>
+          <p:cNvCxnSpPr>
+            <a:cxnSpLocks noChangeAspect="1"/>
+          </p:cNvCxnSpPr>
+          <p:nvPr/>
+        </p:nvCxnSpPr>
+        <p:spPr>
+          <a:xfrm rot="15900000" flipH="1" flipV="1">
+            <a:off x="6615240" y="2588021"/>
+            <a:ext cx="2018470" cy="1338407"/>
+          </a:xfrm>
+          <a:prstGeom prst="curvedConnector2">
+            <a:avLst/>
+          </a:prstGeom>
+          <a:ln w="41275">
+            <a:tailEnd type="arrow"/>
+          </a:ln>
+          <a:effectLst/>
+        </p:spPr>
+        <p:style>
+          <a:lnRef idx="2">
+            <a:schemeClr val="accent6"/>
+          </a:lnRef>
+          <a:fillRef idx="0">
+            <a:schemeClr val="accent6"/>
+          </a:fillRef>
+          <a:effectRef idx="1">
+            <a:schemeClr val="accent6"/>
+          </a:effectRef>
+          <a:fontRef idx="minor">
+            <a:schemeClr val="tx1"/>
+          </a:fontRef>
+        </p:style>
+      </p:cxnSp>
+      <p:sp>
+        <p:nvSpPr>
+          <p:cNvPr id="30" name="文字方塊 29"/>
+          <p:cNvSpPr txBox="1"/>
+          <p:nvPr/>
+        </p:nvSpPr>
+        <p:spPr>
+          <a:xfrm>
+            <a:off x="5734971" y="955563"/>
+            <a:ext cx="1620957" cy="584775"/>
+          </a:xfrm>
+          <a:prstGeom prst="rect">
+            <a:avLst/>
+          </a:prstGeom>
+          <a:solidFill>
+            <a:schemeClr val="bg1">
+              <a:alpha val="70000"/>
+            </a:schemeClr>
+          </a:solidFill>
+          <a:effectLst>
+            <a:softEdge rad="38100"/>
+          </a:effectLst>
+        </p:spPr>
+        <p:txBody>
+          <a:bodyPr wrap="none" rtlCol="0">
+            <a:spAutoFit/>
+          </a:bodyPr>
+          <a:lstStyle/>
+          <a:p>
+            <a:r>
+              <a:rPr lang="zh-TW" altLang="en-US" sz="1600" dirty="0" smtClean="0">
+                <a:solidFill>
+                  <a:schemeClr val="accent6">
+                    <a:lumMod val="50000"/>
+                  </a:schemeClr>
+                </a:solidFill>
+                <a:latin typeface="華康流隸體" panose="03000709000000000000" pitchFamily="65" charset="-120"/>
+                <a:ea typeface="華康流隸體" panose="03000709000000000000" pitchFamily="65" charset="-120"/>
+              </a:rPr>
+              <a:t>使用者資訊</a:t>
+            </a:r>
+            <a:endParaRPr lang="en-US" altLang="zh-TW" sz="1600" dirty="0" smtClean="0">
+              <a:solidFill>
+                <a:schemeClr val="accent6">
+                  <a:lumMod val="50000"/>
+                </a:schemeClr>
+              </a:solidFill>
+              <a:latin typeface="華康流隸體" panose="03000709000000000000" pitchFamily="65" charset="-120"/>
+              <a:ea typeface="華康流隸體" panose="03000709000000000000" pitchFamily="65" charset="-120"/>
+            </a:endParaRPr>
+          </a:p>
+          <a:p>
+            <a:r>
+              <a:rPr lang="zh-TW" altLang="en-US" sz="1600" dirty="0">
+                <a:solidFill>
+                  <a:schemeClr val="accent6">
+                    <a:lumMod val="50000"/>
+                  </a:schemeClr>
+                </a:solidFill>
+                <a:latin typeface="華康流隸體" panose="03000709000000000000" pitchFamily="65" charset="-120"/>
+                <a:ea typeface="華康流隸體" panose="03000709000000000000" pitchFamily="65" charset="-120"/>
+              </a:rPr>
+              <a:t>使用者藥物記錄</a:t>
+            </a:r>
+          </a:p>
+        </p:txBody>
+      </p:sp>
+      <p:sp>
+        <p:nvSpPr>
+          <p:cNvPr id="31" name="文字方塊 30"/>
+          <p:cNvSpPr txBox="1"/>
+          <p:nvPr/>
+        </p:nvSpPr>
+        <p:spPr>
+          <a:xfrm>
+            <a:off x="6505885" y="2283718"/>
+            <a:ext cx="1210588" cy="338554"/>
+          </a:xfrm>
+          <a:prstGeom prst="rect">
+            <a:avLst/>
+          </a:prstGeom>
+          <a:solidFill>
+            <a:schemeClr val="bg1">
+              <a:alpha val="70000"/>
+            </a:schemeClr>
+          </a:solidFill>
+          <a:effectLst>
+            <a:softEdge rad="38100"/>
+          </a:effectLst>
+        </p:spPr>
+        <p:txBody>
+          <a:bodyPr wrap="none" rtlCol="0">
+            <a:spAutoFit/>
+          </a:bodyPr>
+          <a:lstStyle/>
+          <a:p>
+            <a:r>
+              <a:rPr lang="zh-TW" altLang="en-US" sz="1600" dirty="0" smtClean="0">
+                <a:solidFill>
+                  <a:schemeClr val="accent6">
+                    <a:lumMod val="50000"/>
+                  </a:schemeClr>
+                </a:solidFill>
+                <a:latin typeface="華康流隸體" panose="03000709000000000000" pitchFamily="65" charset="-120"/>
+                <a:ea typeface="華康流隸體" panose="03000709000000000000" pitchFamily="65" charset="-120"/>
+              </a:rPr>
+              <a:t>使用者資訊</a:t>
+            </a:r>
+            <a:endParaRPr lang="en-US" altLang="zh-TW" sz="1600" dirty="0" smtClean="0">
+              <a:solidFill>
+                <a:schemeClr val="accent6">
+                  <a:lumMod val="50000"/>
+                </a:schemeClr>
+              </a:solidFill>
+              <a:latin typeface="華康流隸體" panose="03000709000000000000" pitchFamily="65" charset="-120"/>
+              <a:ea typeface="華康流隸體" panose="03000709000000000000" pitchFamily="65" charset="-120"/>
+            </a:endParaRPr>
+          </a:p>
+        </p:txBody>
+      </p:sp>
+      <p:sp>
+        <p:nvSpPr>
+          <p:cNvPr id="32" name="文字方塊 31"/>
+          <p:cNvSpPr txBox="1"/>
+          <p:nvPr/>
+        </p:nvSpPr>
+        <p:spPr>
+          <a:xfrm>
+            <a:off x="7428441" y="3215467"/>
+            <a:ext cx="1005403" cy="584775"/>
+          </a:xfrm>
+          <a:prstGeom prst="rect">
+            <a:avLst/>
+          </a:prstGeom>
+          <a:solidFill>
+            <a:schemeClr val="bg1">
+              <a:alpha val="70000"/>
+            </a:schemeClr>
+          </a:solidFill>
+          <a:effectLst>
+            <a:softEdge rad="38100"/>
+          </a:effectLst>
+        </p:spPr>
+        <p:txBody>
+          <a:bodyPr wrap="none" rtlCol="0">
+            <a:spAutoFit/>
+          </a:bodyPr>
+          <a:lstStyle/>
+          <a:p>
+            <a:pPr algn="ctr"/>
+            <a:r>
+              <a:rPr lang="zh-TW" altLang="en-US" sz="1600" dirty="0" smtClean="0">
+                <a:solidFill>
+                  <a:schemeClr val="accent6">
+                    <a:lumMod val="50000"/>
+                  </a:schemeClr>
+                </a:solidFill>
+                <a:latin typeface="華康流隸體" panose="03000709000000000000" pitchFamily="65" charset="-120"/>
+                <a:ea typeface="華康流隸體" panose="03000709000000000000" pitchFamily="65" charset="-120"/>
+              </a:rPr>
+              <a:t>使用者</a:t>
+            </a:r>
+            <a:endParaRPr lang="en-US" altLang="zh-TW" sz="1600" dirty="0" smtClean="0">
+              <a:solidFill>
+                <a:schemeClr val="accent6">
+                  <a:lumMod val="50000"/>
+                </a:schemeClr>
+              </a:solidFill>
+              <a:latin typeface="華康流隸體" panose="03000709000000000000" pitchFamily="65" charset="-120"/>
+              <a:ea typeface="華康流隸體" panose="03000709000000000000" pitchFamily="65" charset="-120"/>
+            </a:endParaRPr>
+          </a:p>
+          <a:p>
+            <a:pPr algn="ctr"/>
+            <a:r>
+              <a:rPr lang="zh-TW" altLang="en-US" sz="1600" dirty="0" smtClean="0">
+                <a:solidFill>
+                  <a:schemeClr val="accent6">
+                    <a:lumMod val="50000"/>
+                  </a:schemeClr>
+                </a:solidFill>
+                <a:latin typeface="華康流隸體" panose="03000709000000000000" pitchFamily="65" charset="-120"/>
+                <a:ea typeface="華康流隸體" panose="03000709000000000000" pitchFamily="65" charset="-120"/>
+              </a:rPr>
+              <a:t>藥物記錄</a:t>
+            </a:r>
+            <a:endParaRPr lang="en-US" altLang="zh-TW" sz="1600" dirty="0" smtClean="0">
+              <a:solidFill>
+                <a:schemeClr val="accent6">
+                  <a:lumMod val="50000"/>
+                </a:schemeClr>
+              </a:solidFill>
+              <a:latin typeface="華康流隸體" panose="03000709000000000000" pitchFamily="65" charset="-120"/>
+              <a:ea typeface="華康流隸體" panose="03000709000000000000" pitchFamily="65" charset="-120"/>
+            </a:endParaRPr>
+          </a:p>
+        </p:txBody>
+      </p:sp>
+      <p:sp>
+        <p:nvSpPr>
+          <p:cNvPr id="33" name="文字方塊 32"/>
+          <p:cNvSpPr txBox="1"/>
+          <p:nvPr/>
+        </p:nvSpPr>
+        <p:spPr>
+          <a:xfrm>
+            <a:off x="3707445" y="1917301"/>
+            <a:ext cx="1005403" cy="830997"/>
+          </a:xfrm>
+          <a:prstGeom prst="rect">
+            <a:avLst/>
+          </a:prstGeom>
+          <a:solidFill>
+            <a:schemeClr val="bg1">
+              <a:alpha val="70000"/>
+            </a:schemeClr>
+          </a:solidFill>
+          <a:effectLst>
+            <a:softEdge rad="38100"/>
+          </a:effectLst>
+        </p:spPr>
+        <p:txBody>
+          <a:bodyPr wrap="none" rtlCol="0">
+            <a:spAutoFit/>
+          </a:bodyPr>
+          <a:lstStyle/>
+          <a:p>
+            <a:r>
+              <a:rPr lang="zh-TW" altLang="en-US" sz="1600" dirty="0">
+                <a:solidFill>
+                  <a:schemeClr val="accent6">
+                    <a:lumMod val="50000"/>
+                  </a:schemeClr>
+                </a:solidFill>
+                <a:latin typeface="華康流隸體" panose="03000709000000000000" pitchFamily="65" charset="-120"/>
+                <a:ea typeface="華康流隸體" panose="03000709000000000000" pitchFamily="65" charset="-120"/>
+              </a:rPr>
+              <a:t>藥物資料</a:t>
+            </a:r>
+            <a:endParaRPr lang="en-US" altLang="zh-TW" sz="1600" dirty="0" smtClean="0">
+              <a:solidFill>
+                <a:schemeClr val="accent6">
+                  <a:lumMod val="50000"/>
+                </a:schemeClr>
+              </a:solidFill>
+              <a:latin typeface="華康流隸體" panose="03000709000000000000" pitchFamily="65" charset="-120"/>
+              <a:ea typeface="華康流隸體" panose="03000709000000000000" pitchFamily="65" charset="-120"/>
+            </a:endParaRPr>
+          </a:p>
+          <a:p>
+            <a:r>
+              <a:rPr lang="zh-TW" altLang="en-US" sz="1600" dirty="0" smtClean="0">
+                <a:solidFill>
+                  <a:schemeClr val="accent6">
+                    <a:lumMod val="50000"/>
+                  </a:schemeClr>
+                </a:solidFill>
+                <a:latin typeface="華康流隸體" panose="03000709000000000000" pitchFamily="65" charset="-120"/>
+                <a:ea typeface="華康流隸體" panose="03000709000000000000" pitchFamily="65" charset="-120"/>
+              </a:rPr>
+              <a:t>提醒記錄</a:t>
+            </a:r>
+            <a:endParaRPr lang="en-US" altLang="zh-TW" sz="1600" dirty="0" smtClean="0">
+              <a:solidFill>
+                <a:schemeClr val="accent6">
+                  <a:lumMod val="50000"/>
+                </a:schemeClr>
+              </a:solidFill>
+              <a:latin typeface="華康流隸體" panose="03000709000000000000" pitchFamily="65" charset="-120"/>
+              <a:ea typeface="華康流隸體" panose="03000709000000000000" pitchFamily="65" charset="-120"/>
+            </a:endParaRPr>
+          </a:p>
+          <a:p>
+            <a:r>
+              <a:rPr lang="zh-TW" altLang="en-US" sz="1600" dirty="0">
+                <a:solidFill>
+                  <a:schemeClr val="accent6">
+                    <a:lumMod val="50000"/>
+                  </a:schemeClr>
+                </a:solidFill>
+                <a:latin typeface="華康流隸體" panose="03000709000000000000" pitchFamily="65" charset="-120"/>
+                <a:ea typeface="華康流隸體" panose="03000709000000000000" pitchFamily="65" charset="-120"/>
+              </a:rPr>
+              <a:t>院所資料</a:t>
+            </a:r>
           </a:p>
         </p:txBody>
       </p:sp>
@@ -5911,7 +6254,7 @@
         </p:nvGraphicFramePr>
         <p:xfrm>
           <a:off x="535381" y="1511935"/>
-          <a:ext cx="8073238" cy="3009773"/>
+          <a:ext cx="8073238" cy="2999105"/>
         </p:xfrm>
         <a:graphic>
           <a:graphicData uri="http://schemas.openxmlformats.org/drawingml/2006/table">
@@ -6503,7 +6846,7 @@
         </p:nvGraphicFramePr>
         <p:xfrm>
           <a:off x="971599" y="1038970"/>
-          <a:ext cx="7128792" cy="3945754"/>
+          <a:ext cx="7128792" cy="3960359"/>
         </p:xfrm>
         <a:graphic>
           <a:graphicData uri="http://schemas.openxmlformats.org/drawingml/2006/table">
@@ -7570,9 +7913,15 @@
             <a:off x="2915816" y="1059582"/>
             <a:ext cx="864096" cy="864096"/>
           </a:xfrm>
-          <a:prstGeom prst="rect">
+          <a:prstGeom prst="ellipse">
             <a:avLst/>
           </a:prstGeom>
+          <a:ln>
+            <a:noFill/>
+          </a:ln>
+          <a:effectLst>
+            <a:softEdge rad="0"/>
+          </a:effectLst>
         </p:spPr>
       </p:pic>
       <p:pic>
@@ -7645,6 +7994,13 @@
   <p:clrMapOvr>
     <a:masterClrMapping/>
   </p:clrMapOvr>
+  <p:timing>
+    <p:tnLst>
+      <p:par>
+        <p:cTn id="1" dur="indefinite" restart="never" nodeType="tmRoot"/>
+      </p:par>
+    </p:tnLst>
+  </p:timing>
 </p:sld>
 </file>
 
